--- a/documentation/vcm-2017-03-17-cwf.pptx
+++ b/documentation/vcm-2017-03-17-cwf.pptx
@@ -16,8 +16,8 @@
     <p:sldId id="472" r:id="rId7"/>
     <p:sldId id="458" r:id="rId8"/>
     <p:sldId id="457" r:id="rId9"/>
-    <p:sldId id="466" r:id="rId10"/>
-    <p:sldId id="473" r:id="rId11"/>
+    <p:sldId id="473" r:id="rId10"/>
+    <p:sldId id="466" r:id="rId11"/>
     <p:sldId id="467" r:id="rId12"/>
     <p:sldId id="468" r:id="rId13"/>
     <p:sldId id="469" r:id="rId14"/>
@@ -290,7 +290,7 @@
               <a:pPr>
                 <a:defRPr/>
               </a:pPr>
-              <a:t>5/4/17</a:t>
+              <a:t>5/5/17</a:t>
             </a:fld>
             <a:endParaRPr lang="en-US"/>
           </a:p>
@@ -1103,7 +1103,7 @@
               <a:pPr>
                 <a:defRPr/>
               </a:pPr>
-              <a:t>5/4/17</a:t>
+              <a:t>5/5/17</a:t>
             </a:fld>
             <a:endParaRPr lang="en-US"/>
           </a:p>
@@ -1300,7 +1300,7 @@
               <a:pPr>
                 <a:defRPr/>
               </a:pPr>
-              <a:t>5/4/17</a:t>
+              <a:t>5/5/17</a:t>
             </a:fld>
             <a:endParaRPr lang="en-US"/>
           </a:p>
@@ -1507,7 +1507,7 @@
               <a:pPr>
                 <a:defRPr/>
               </a:pPr>
-              <a:t>5/4/17</a:t>
+              <a:t>5/5/17</a:t>
             </a:fld>
             <a:endParaRPr lang="en-US"/>
           </a:p>
@@ -1704,7 +1704,7 @@
               <a:pPr>
                 <a:defRPr/>
               </a:pPr>
-              <a:t>5/4/17</a:t>
+              <a:t>5/5/17</a:t>
             </a:fld>
             <a:endParaRPr lang="en-US"/>
           </a:p>
@@ -1977,7 +1977,7 @@
               <a:pPr>
                 <a:defRPr/>
               </a:pPr>
-              <a:t>5/4/17</a:t>
+              <a:t>5/5/17</a:t>
             </a:fld>
             <a:endParaRPr lang="en-US"/>
           </a:p>
@@ -2292,7 +2292,7 @@
               <a:pPr>
                 <a:defRPr/>
               </a:pPr>
-              <a:t>5/4/17</a:t>
+              <a:t>5/5/17</a:t>
             </a:fld>
             <a:endParaRPr lang="en-US"/>
           </a:p>
@@ -2741,7 +2741,7 @@
               <a:pPr>
                 <a:defRPr/>
               </a:pPr>
-              <a:t>5/4/17</a:t>
+              <a:t>5/5/17</a:t>
             </a:fld>
             <a:endParaRPr lang="en-US"/>
           </a:p>
@@ -2886,7 +2886,7 @@
               <a:pPr>
                 <a:defRPr/>
               </a:pPr>
-              <a:t>5/4/17</a:t>
+              <a:t>5/5/17</a:t>
             </a:fld>
             <a:endParaRPr lang="en-US"/>
           </a:p>
@@ -3008,7 +3008,7 @@
               <a:pPr>
                 <a:defRPr/>
               </a:pPr>
-              <a:t>5/4/17</a:t>
+              <a:t>5/5/17</a:t>
             </a:fld>
             <a:endParaRPr lang="en-US"/>
           </a:p>
@@ -3312,7 +3312,7 @@
               <a:pPr>
                 <a:defRPr/>
               </a:pPr>
-              <a:t>5/4/17</a:t>
+              <a:t>5/5/17</a:t>
             </a:fld>
             <a:endParaRPr lang="en-US"/>
           </a:p>
@@ -3595,7 +3595,7 @@
               <a:pPr>
                 <a:defRPr/>
               </a:pPr>
-              <a:t>5/4/17</a:t>
+              <a:t>5/5/17</a:t>
             </a:fld>
             <a:endParaRPr lang="en-US"/>
           </a:p>
@@ -3740,14 +3740,14 @@
               <ma14:placeholderFlag xmlns:ma14="http://schemas.microsoft.com/office/mac/drawingml/2011/main" val="1"/>
             </a:ext>
             <a:ext uri="{909E8E84-426E-40dd-AFC4-6F175D3DCCD1}">
-              <a14:hiddenFill xmlns:a14="http://schemas.microsoft.com/office/drawing/2010/main" xmlns="">
+              <a14:hiddenFill xmlns="" xmlns:a14="http://schemas.microsoft.com/office/drawing/2010/main">
                 <a:solidFill>
                   <a:srgbClr val="FFFFFF"/>
                 </a:solidFill>
               </a14:hiddenFill>
             </a:ext>
             <a:ext uri="{91240B29-F687-4f45-9708-019B960494DF}">
-              <a14:hiddenLine xmlns:a14="http://schemas.microsoft.com/office/drawing/2010/main" xmlns="" w="9525">
+              <a14:hiddenLine xmlns="" xmlns:a14="http://schemas.microsoft.com/office/drawing/2010/main" w="9525">
                 <a:solidFill>
                   <a:srgbClr val="000000"/>
                 </a:solidFill>
@@ -3801,14 +3801,14 @@
               <ma14:placeholderFlag xmlns:ma14="http://schemas.microsoft.com/office/mac/drawingml/2011/main" val="1"/>
             </a:ext>
             <a:ext uri="{909E8E84-426E-40dd-AFC4-6F175D3DCCD1}">
-              <a14:hiddenFill xmlns:a14="http://schemas.microsoft.com/office/drawing/2010/main" xmlns="">
+              <a14:hiddenFill xmlns="" xmlns:a14="http://schemas.microsoft.com/office/drawing/2010/main">
                 <a:solidFill>
                   <a:srgbClr val="FFFFFF"/>
                 </a:solidFill>
               </a14:hiddenFill>
             </a:ext>
             <a:ext uri="{91240B29-F687-4f45-9708-019B960494DF}">
-              <a14:hiddenLine xmlns:a14="http://schemas.microsoft.com/office/drawing/2010/main" xmlns="" w="9525">
+              <a14:hiddenLine xmlns="" xmlns:a14="http://schemas.microsoft.com/office/drawing/2010/main" w="9525">
                 <a:solidFill>
                   <a:srgbClr val="000000"/>
                 </a:solidFill>
@@ -3913,7 +3913,7 @@
               <a:pPr>
                 <a:defRPr/>
               </a:pPr>
-              <a:t>5/4/17</a:t>
+              <a:t>5/5/17</a:t>
             </a:fld>
             <a:endParaRPr lang="en-US"/>
           </a:p>
@@ -4704,99 +4704,33 @@
           <a:chExt cx="0" cy="0"/>
         </a:xfrm>
       </p:grpSpPr>
-      <p:sp>
-        <p:nvSpPr>
-          <p:cNvPr id="2" name="Title 1"/>
-          <p:cNvSpPr>
-            <a:spLocks noGrp="1"/>
-          </p:cNvSpPr>
-          <p:nvPr>
-            <p:ph type="title"/>
-          </p:nvPr>
-        </p:nvSpPr>
-        <p:spPr/>
-        <p:txBody>
-          <a:bodyPr/>
-          <a:lstStyle/>
-          <a:p>
-            <a:r>
-              <a:rPr lang="en-US" dirty="0" smtClean="0"/>
-              <a:t>VA Innovation Project</a:t>
-            </a:r>
-            <a:endParaRPr lang="en-US" dirty="0"/>
-          </a:p>
-        </p:txBody>
-      </p:sp>
-      <p:sp>
-        <p:nvSpPr>
-          <p:cNvPr id="3" name="Content Placeholder 2"/>
-          <p:cNvSpPr>
-            <a:spLocks noGrp="1"/>
-          </p:cNvSpPr>
-          <p:nvPr>
-            <p:ph idx="1"/>
-          </p:nvPr>
-        </p:nvSpPr>
+      <p:pic>
+        <p:nvPicPr>
+          <p:cNvPr id="4" name="Picture 3"/>
+          <p:cNvPicPr>
+            <a:picLocks noChangeAspect="1"/>
+          </p:cNvPicPr>
+          <p:nvPr/>
+        </p:nvPicPr>
+        <p:blipFill rotWithShape="1">
+          <a:blip r:embed="rId2"/>
+          <a:srcRect l="384" t="820" r="915" b="-3"/>
+          <a:stretch/>
+        </p:blipFill>
         <p:spPr>
           <a:xfrm>
-            <a:off x="457200" y="1600200"/>
-            <a:ext cx="8229600" cy="3854447"/>
+            <a:off x="795528" y="457200"/>
+            <a:ext cx="6949440" cy="5532120"/>
           </a:xfrm>
+          <a:prstGeom prst="rect">
+            <a:avLst/>
+          </a:prstGeom>
         </p:spPr>
-        <p:txBody>
-          <a:bodyPr/>
-          <a:lstStyle/>
-          <a:p>
-            <a:r>
-              <a:rPr lang="en-US" dirty="0" smtClean="0"/>
-              <a:t>Demonstrate CWF running atop </a:t>
-            </a:r>
-            <a:r>
-              <a:rPr lang="en-US" dirty="0" err="1" smtClean="0"/>
-              <a:t>VistA</a:t>
-            </a:r>
-            <a:endParaRPr lang="en-US" dirty="0" smtClean="0"/>
-          </a:p>
-          <a:p>
-            <a:r>
-              <a:rPr lang="en-US" dirty="0" smtClean="0"/>
-              <a:t>Port selected plugins from RPMS EHR</a:t>
-            </a:r>
-          </a:p>
-          <a:p>
-            <a:pPr lvl="1"/>
-            <a:r>
-              <a:rPr lang="en-US" dirty="0" smtClean="0"/>
-              <a:t>Chief Complaint</a:t>
-            </a:r>
-          </a:p>
-          <a:p>
-            <a:pPr lvl="1"/>
-            <a:r>
-              <a:rPr lang="en-US" dirty="0" smtClean="0"/>
-              <a:t>Patient Goals</a:t>
-            </a:r>
-          </a:p>
-          <a:p>
-            <a:pPr lvl="1"/>
-            <a:r>
-              <a:rPr lang="en-US" dirty="0" smtClean="0"/>
-              <a:t>Family History</a:t>
-            </a:r>
-          </a:p>
-          <a:p>
-            <a:pPr lvl="1"/>
-            <a:r>
-              <a:rPr lang="en-US" dirty="0" smtClean="0"/>
-              <a:t>Immunizations</a:t>
-            </a:r>
-          </a:p>
-        </p:txBody>
-      </p:sp>
+      </p:pic>
     </p:spTree>
     <p:extLst>
       <p:ext uri="{BB962C8B-B14F-4D97-AF65-F5344CB8AC3E}">
-        <p14:creationId xmlns:p14="http://schemas.microsoft.com/office/powerpoint/2010/main" val="396902829"/>
+        <p14:creationId xmlns:p14="http://schemas.microsoft.com/office/powerpoint/2010/main" val="475781430"/>
       </p:ext>
     </p:extLst>
   </p:cSld>
@@ -5636,14 +5570,14 @@
           <a:effectLst/>
           <a:extLst>
             <a:ext uri="{909E8E84-426E-40dd-AFC4-6F175D3DCCD1}">
-              <a14:hiddenFill xmlns:a14="http://schemas.microsoft.com/office/drawing/2010/main" xmlns="">
+              <a14:hiddenFill xmlns="" xmlns:a14="http://schemas.microsoft.com/office/drawing/2010/main">
                 <a:solidFill>
                   <a:schemeClr val="accent1"/>
                 </a:solidFill>
               </a14:hiddenFill>
             </a:ext>
             <a:ext uri="{91240B29-F687-4f45-9708-019B960494DF}">
-              <a14:hiddenLine xmlns:a14="http://schemas.microsoft.com/office/drawing/2010/main" xmlns="" w="9525">
+              <a14:hiddenLine xmlns="" xmlns:a14="http://schemas.microsoft.com/office/drawing/2010/main" w="9525">
                 <a:solidFill>
                   <a:schemeClr val="tx1"/>
                 </a:solidFill>
@@ -5653,7 +5587,7 @@
               </a14:hiddenLine>
             </a:ext>
             <a:ext uri="{AF507438-7753-43e0-B8FC-AC1667EBCBE1}">
-              <a14:hiddenEffects xmlns:a14="http://schemas.microsoft.com/office/drawing/2010/main" xmlns="">
+              <a14:hiddenEffects xmlns="" xmlns:a14="http://schemas.microsoft.com/office/drawing/2010/main">
                 <a:effectLst>
                   <a:outerShdw blurRad="63500" dist="38099" dir="2700000" algn="ctr" rotWithShape="0">
                     <a:schemeClr val="bg2">
@@ -5709,14 +5643,14 @@
           <a:effectLst/>
           <a:extLst>
             <a:ext uri="{909E8E84-426E-40dd-AFC4-6F175D3DCCD1}">
-              <a14:hiddenFill xmlns:a14="http://schemas.microsoft.com/office/drawing/2010/main" xmlns="">
+              <a14:hiddenFill xmlns="" xmlns:a14="http://schemas.microsoft.com/office/drawing/2010/main">
                 <a:solidFill>
                   <a:schemeClr val="accent1"/>
                 </a:solidFill>
               </a14:hiddenFill>
             </a:ext>
             <a:ext uri="{91240B29-F687-4f45-9708-019B960494DF}">
-              <a14:hiddenLine xmlns:a14="http://schemas.microsoft.com/office/drawing/2010/main" xmlns="" w="9525">
+              <a14:hiddenLine xmlns="" xmlns:a14="http://schemas.microsoft.com/office/drawing/2010/main" w="9525">
                 <a:solidFill>
                   <a:schemeClr val="tx1"/>
                 </a:solidFill>
@@ -5726,7 +5660,7 @@
               </a14:hiddenLine>
             </a:ext>
             <a:ext uri="{AF507438-7753-43e0-B8FC-AC1667EBCBE1}">
-              <a14:hiddenEffects xmlns:a14="http://schemas.microsoft.com/office/drawing/2010/main" xmlns="">
+              <a14:hiddenEffects xmlns="" xmlns:a14="http://schemas.microsoft.com/office/drawing/2010/main">
                 <a:effectLst>
                   <a:outerShdw blurRad="63500" dist="38099" dir="2700000" algn="ctr" rotWithShape="0">
                     <a:schemeClr val="bg2">
@@ -10361,33 +10295,99 @@
           <a:chExt cx="0" cy="0"/>
         </a:xfrm>
       </p:grpSpPr>
-      <p:pic>
-        <p:nvPicPr>
-          <p:cNvPr id="4" name="Picture 3"/>
-          <p:cNvPicPr>
-            <a:picLocks noChangeAspect="1"/>
-          </p:cNvPicPr>
-          <p:nvPr/>
-        </p:nvPicPr>
-        <p:blipFill rotWithShape="1">
-          <a:blip r:embed="rId2"/>
-          <a:srcRect l="384" t="820" r="915" b="-3"/>
-          <a:stretch/>
-        </p:blipFill>
+      <p:sp>
+        <p:nvSpPr>
+          <p:cNvPr id="2" name="Title 1"/>
+          <p:cNvSpPr>
+            <a:spLocks noGrp="1"/>
+          </p:cNvSpPr>
+          <p:nvPr>
+            <p:ph type="title"/>
+          </p:nvPr>
+        </p:nvSpPr>
+        <p:spPr/>
+        <p:txBody>
+          <a:bodyPr/>
+          <a:lstStyle/>
+          <a:p>
+            <a:r>
+              <a:rPr lang="en-US" dirty="0" smtClean="0"/>
+              <a:t>VA Innovation Project</a:t>
+            </a:r>
+            <a:endParaRPr lang="en-US" dirty="0"/>
+          </a:p>
+        </p:txBody>
+      </p:sp>
+      <p:sp>
+        <p:nvSpPr>
+          <p:cNvPr id="3" name="Content Placeholder 2"/>
+          <p:cNvSpPr>
+            <a:spLocks noGrp="1"/>
+          </p:cNvSpPr>
+          <p:nvPr>
+            <p:ph idx="1"/>
+          </p:nvPr>
+        </p:nvSpPr>
         <p:spPr>
           <a:xfrm>
-            <a:off x="795528" y="457200"/>
-            <a:ext cx="6949440" cy="5532120"/>
+            <a:off x="457200" y="1600200"/>
+            <a:ext cx="8229600" cy="3854447"/>
           </a:xfrm>
-          <a:prstGeom prst="rect">
-            <a:avLst/>
-          </a:prstGeom>
         </p:spPr>
-      </p:pic>
+        <p:txBody>
+          <a:bodyPr/>
+          <a:lstStyle/>
+          <a:p>
+            <a:r>
+              <a:rPr lang="en-US" dirty="0" smtClean="0"/>
+              <a:t>Demonstrate CWF running atop </a:t>
+            </a:r>
+            <a:r>
+              <a:rPr lang="en-US" dirty="0" err="1" smtClean="0"/>
+              <a:t>VistA</a:t>
+            </a:r>
+            <a:endParaRPr lang="en-US" dirty="0" smtClean="0"/>
+          </a:p>
+          <a:p>
+            <a:r>
+              <a:rPr lang="en-US" dirty="0" smtClean="0"/>
+              <a:t>Port selected plugins from RPMS EHR</a:t>
+            </a:r>
+          </a:p>
+          <a:p>
+            <a:pPr lvl="1"/>
+            <a:r>
+              <a:rPr lang="en-US" dirty="0" smtClean="0"/>
+              <a:t>Chief Complaint</a:t>
+            </a:r>
+          </a:p>
+          <a:p>
+            <a:pPr lvl="1"/>
+            <a:r>
+              <a:rPr lang="en-US" dirty="0" smtClean="0"/>
+              <a:t>Patient Goals</a:t>
+            </a:r>
+          </a:p>
+          <a:p>
+            <a:pPr lvl="1"/>
+            <a:r>
+              <a:rPr lang="en-US" dirty="0" smtClean="0"/>
+              <a:t>Family History</a:t>
+            </a:r>
+          </a:p>
+          <a:p>
+            <a:pPr lvl="1"/>
+            <a:r>
+              <a:rPr lang="en-US" dirty="0" smtClean="0"/>
+              <a:t>Immunizations</a:t>
+            </a:r>
+          </a:p>
+        </p:txBody>
+      </p:sp>
     </p:spTree>
     <p:extLst>
       <p:ext uri="{BB962C8B-B14F-4D97-AF65-F5344CB8AC3E}">
-        <p14:creationId xmlns:p14="http://schemas.microsoft.com/office/powerpoint/2010/main" val="475781430"/>
+        <p14:creationId xmlns:p14="http://schemas.microsoft.com/office/powerpoint/2010/main" val="396902829"/>
       </p:ext>
     </p:extLst>
   </p:cSld>
